--- a/CV.pptx
+++ b/CV.pptx
@@ -273,7 +273,7 @@
           <a:p>
             <a:fld id="{1D8BD707-D9CF-40AE-B4C6-C98DA3205C09}" type="datetimeFigureOut">
               <a:rPr lang="en-US"/>
-              <a:t>26-Nov-24</a:t>
+              <a:t>08-Dec-24</a:t>
             </a:fld>
             <a:endParaRPr lang="en-US"/>
           </a:p>
@@ -438,7 +438,7 @@
           <a:p>
             <a:fld id="{1D8BD707-D9CF-40AE-B4C6-C98DA3205C09}" type="datetimeFigureOut">
               <a:rPr lang="en-US"/>
-              <a:t>26-Nov-24</a:t>
+              <a:t>08-Dec-24</a:t>
             </a:fld>
             <a:endParaRPr lang="en-US"/>
           </a:p>
@@ -646,7 +646,7 @@
           <a:p>
             <a:fld id="{1D8BD707-D9CF-40AE-B4C6-C98DA3205C09}" type="datetimeFigureOut">
               <a:rPr lang="en-US"/>
-              <a:t>26-Nov-24</a:t>
+              <a:t>08-Dec-24</a:t>
             </a:fld>
             <a:endParaRPr lang="en-US"/>
           </a:p>
@@ -788,7 +788,7 @@
           <a:p>
             <a:fld id="{1D8BD707-D9CF-40AE-B4C6-C98DA3205C09}" type="datetimeFigureOut">
               <a:rPr lang="en-US"/>
-              <a:t>26-Nov-24</a:t>
+              <a:t>08-Dec-24</a:t>
             </a:fld>
             <a:endParaRPr lang="en-US"/>
           </a:p>
@@ -907,7 +907,7 @@
           <a:p>
             <a:fld id="{1D8BD707-D9CF-40AE-B4C6-C98DA3205C09}" type="datetimeFigureOut">
               <a:rPr lang="en-US"/>
-              <a:t>26-Nov-24</a:t>
+              <a:t>08-Dec-24</a:t>
             </a:fld>
             <a:endParaRPr lang="en-US"/>
           </a:p>
@@ -1120,7 +1120,7 @@
           <a:p>
             <a:fld id="{1D8BD707-D9CF-40AE-B4C6-C98DA3205C09}" type="datetimeFigureOut">
               <a:rPr lang="en-US"/>
-              <a:t>26-Nov-24</a:t>
+              <a:t>08-Dec-24</a:t>
             </a:fld>
             <a:endParaRPr lang="en-US"/>
           </a:p>
@@ -1768,52 +1768,6 @@
       </p:sp>
       <p:sp>
         <p:nvSpPr>
-          <p:cNvPr id="10" name="object 10"/>
-          <p:cNvSpPr txBox="1"/>
-          <p:nvPr/>
-        </p:nvSpPr>
-        <p:spPr>
-          <a:xfrm>
-            <a:off x="2410433" y="5867091"/>
-            <a:ext cx="970280" cy="228909"/>
-          </a:xfrm>
-          <a:prstGeom prst="rect">
-            <a:avLst/>
-          </a:prstGeom>
-        </p:spPr>
-        <p:txBody>
-          <a:bodyPr vert="horz" wrap="square" lIns="0" tIns="13335" rIns="0" bIns="0" rtlCol="0">
-            <a:spAutoFit/>
-          </a:bodyPr>
-          <a:lstStyle/>
-          <a:p>
-            <a:pPr marL="12700">
-              <a:lnSpc>
-                <a:spcPct val="100000"/>
-              </a:lnSpc>
-              <a:spcBef>
-                <a:spcPts val="105"/>
-              </a:spcBef>
-            </a:pPr>
-            <a:r>
-              <a:rPr lang="en-US" sz="1400" b="1" spc="-5" dirty="0" smtClean="0">
-                <a:solidFill>
-                  <a:srgbClr val="2D74B5"/>
-                </a:solidFill>
-                <a:latin typeface="Calibri"/>
-                <a:cs typeface="Calibri"/>
-              </a:rPr>
-              <a:t>Project</a:t>
-            </a:r>
-            <a:endParaRPr sz="1400" dirty="0">
-              <a:latin typeface="Calibri"/>
-              <a:cs typeface="Calibri"/>
-            </a:endParaRPr>
-          </a:p>
-        </p:txBody>
-      </p:sp>
-      <p:sp>
-        <p:nvSpPr>
           <p:cNvPr id="11" name="object 11"/>
           <p:cNvSpPr txBox="1"/>
           <p:nvPr/>
@@ -2711,14 +2665,14 @@
           <p:nvPr>
             <p:extLst>
               <p:ext uri="{D42A27DB-BD31-4B8C-83A1-F6EECF244321}">
-                <p14:modId xmlns:p14="http://schemas.microsoft.com/office/powerpoint/2010/main" val="1628967803"/>
+                <p14:modId xmlns:p14="http://schemas.microsoft.com/office/powerpoint/2010/main" val="724110623"/>
               </p:ext>
             </p:extLst>
           </p:nvPr>
         </p:nvGraphicFramePr>
         <p:xfrm>
-          <a:off x="2416673" y="6096000"/>
-          <a:ext cx="4441327" cy="4112260"/>
+          <a:off x="2438400" y="6553200"/>
+          <a:ext cx="4267200" cy="3731260"/>
         </p:xfrm>
         <a:graphic>
           <a:graphicData uri="http://schemas.openxmlformats.org/drawingml/2006/table">
@@ -2727,7 +2681,7 @@
                 <a:tableStyleId>{2D5ABB26-0587-4C30-8999-92F81FD0307C}</a:tableStyleId>
               </a:tblPr>
               <a:tblGrid>
-                <a:gridCol w="4441327">
+                <a:gridCol w="4267200">
                   <a:extLst>
                     <a:ext uri="{9D8B030D-6E8A-4147-A177-3AD203B41FA5}">
                       <a16:colId xmlns:a16="http://schemas.microsoft.com/office/drawing/2014/main" val="20000"/>
@@ -2735,7 +2689,7 @@
                   </a:extLst>
                 </a:gridCol>
               </a:tblGrid>
-              <a:tr h="3411044">
+              <a:tr h="2774479">
                 <a:tc>
                   <a:txBody>
                     <a:bodyPr/>
@@ -2765,55 +2719,43 @@
                     </a:p>
                     <a:p>
                       <a:pPr lvl="0"/>
-                      <a:endParaRPr lang="en-US" sz="1200" dirty="0" smtClean="0"/>
+                      <a:r>
+                        <a:rPr lang="en-US" sz="1400" b="1" dirty="0" smtClean="0"/>
+                        <a:t>Event Management System</a:t>
+                      </a:r>
+                      <a:r>
+                        <a:rPr lang="en-US" sz="1200" b="1" dirty="0" smtClean="0"/>
+                        <a:t> </a:t>
+                      </a:r>
+                      <a:r>
+                        <a:rPr lang="en-US" sz="1100" dirty="0" smtClean="0"/>
+                        <a:t>May 2024 - October 2024</a:t>
+                      </a:r>
                     </a:p>
                     <a:p>
                       <a:pPr lvl="0"/>
                       <a:r>
-                        <a:rPr lang="en-US" sz="1400" b="1" dirty="0" smtClean="0"/>
-                        <a:t>Event Management System</a:t>
-                      </a:r>
-                      <a:r>
-                        <a:rPr lang="en-US" sz="1200" b="1" dirty="0" smtClean="0"/>
-                        <a:t> </a:t>
-                      </a:r>
-                      <a:r>
-                        <a:rPr lang="en-US" sz="1100" dirty="0" smtClean="0"/>
-                        <a:t>May 2024 - October 2024</a:t>
+                        <a:rPr lang="en-US" sz="1200" dirty="0" smtClean="0"/>
+                        <a:t>Designed UML diagrams, including use case, activity, and sequence diagrams, to map system interactions and workflows effectively.</a:t>
                       </a:r>
                     </a:p>
                     <a:p>
                       <a:pPr lvl="0"/>
                       <a:r>
-                        <a:rPr lang="en-US" sz="1200" dirty="0" smtClean="0"/>
-                        <a:t>Designed UML diagrams, including use case, activity, and sequence diagrams, to map system interactions and workflows effectively.</a:t>
+                        <a:rPr lang="en-US" sz="1400" b="1" dirty="0" smtClean="0"/>
+                        <a:t>Organ Transplant Management System </a:t>
+                      </a:r>
+                      <a:r>
+                        <a:rPr lang="en-US" sz="1100" b="0" dirty="0" smtClean="0"/>
+                        <a:t>May 2024 - August 2024</a:t>
                       </a:r>
                     </a:p>
                     <a:p>
                       <a:pPr lvl="0"/>
-                      <a:endParaRPr lang="en-US" sz="1200" dirty="0" smtClean="0"/>
-                    </a:p>
-                    <a:p>
-                      <a:pPr lvl="0"/>
-                      <a:r>
-                        <a:rPr lang="en-US" sz="1400" b="1" dirty="0" smtClean="0"/>
-                        <a:t>Organ Transplant Management System </a:t>
-                      </a:r>
-                      <a:r>
-                        <a:rPr lang="en-US" sz="1100" b="0" dirty="0" smtClean="0"/>
-                        <a:t>May 2024 - August 2024</a:t>
-                      </a:r>
-                    </a:p>
-                    <a:p>
-                      <a:pPr lvl="0"/>
                       <a:r>
                         <a:rPr lang="en-US" sz="1200" dirty="0" smtClean="0"/>
                         <a:t>Collaborated on a database project using Oracle DBMS, emphasizing data normalization and table creation to ensure efficient database structure.</a:t>
                       </a:r>
-                    </a:p>
-                    <a:p>
-                      <a:pPr lvl="0"/>
-                      <a:endParaRPr lang="en-US" sz="1200" dirty="0" smtClean="0"/>
                     </a:p>
                     <a:p>
                       <a:pPr lvl="0"/>
@@ -2850,7 +2792,7 @@
                   </a:ext>
                 </a:extLst>
               </a:tr>
-              <a:tr h="234232">
+              <a:tr h="212961">
                 <a:tc>
                   <a:txBody>
                     <a:bodyPr/>
@@ -2868,7 +2810,7 @@
                   </a:ext>
                 </a:extLst>
               </a:tr>
-              <a:tr h="234232">
+              <a:tr h="212961">
                 <a:tc>
                   <a:txBody>
                     <a:bodyPr/>
@@ -2974,117 +2916,6 @@
           </a:prstGeom>
         </p:spPr>
       </p:pic>
-      <p:sp>
-        <p:nvSpPr>
-          <p:cNvPr id="16" name="TextBox 15"/>
-          <p:cNvSpPr txBox="1"/>
-          <p:nvPr/>
-        </p:nvSpPr>
-        <p:spPr>
-          <a:xfrm>
-            <a:off x="2331720" y="3694688"/>
-            <a:ext cx="4293379" cy="2123658"/>
-          </a:xfrm>
-          <a:prstGeom prst="rect">
-            <a:avLst/>
-          </a:prstGeom>
-          <a:noFill/>
-        </p:spPr>
-        <p:txBody>
-          <a:bodyPr wrap="square" rtlCol="0">
-            <a:spAutoFit/>
-          </a:bodyPr>
-          <a:lstStyle/>
-          <a:p>
-            <a:r>
-              <a:rPr lang="en-US" sz="1400" b="1" dirty="0" smtClean="0"/>
-              <a:t>Programming </a:t>
-            </a:r>
-            <a:r>
-              <a:rPr lang="en-US" sz="1400" b="1" dirty="0"/>
-              <a:t>Languages</a:t>
-            </a:r>
-            <a:r>
-              <a:rPr lang="en-US" sz="1400" dirty="0"/>
-              <a:t>: </a:t>
-            </a:r>
-            <a:r>
-              <a:rPr lang="en-US" sz="1200" dirty="0"/>
-              <a:t>Python, C, C++, Java, C#</a:t>
-            </a:r>
-          </a:p>
-          <a:p>
-            <a:r>
-              <a:rPr lang="en-US" sz="1400" b="1" dirty="0"/>
-              <a:t>Core Skills</a:t>
-            </a:r>
-            <a:r>
-              <a:rPr lang="en-US" sz="1400" dirty="0"/>
-              <a:t>: </a:t>
-            </a:r>
-            <a:r>
-              <a:rPr lang="en-US" sz="1200" dirty="0"/>
-              <a:t>Data Structures, Algorithms, Problem Solving, Competitive Programming</a:t>
-            </a:r>
-          </a:p>
-          <a:p>
-            <a:r>
-              <a:rPr lang="en-US" sz="1400" b="1" dirty="0"/>
-              <a:t>Frameworks &amp; Tools</a:t>
-            </a:r>
-            <a:r>
-              <a:rPr lang="en-US" sz="1400" dirty="0"/>
-              <a:t>: </a:t>
-            </a:r>
-            <a:r>
-              <a:rPr lang="en-US" sz="1200" dirty="0"/>
-              <a:t>.NET, Cisco Networking, Oracle DBMS, MS Office</a:t>
-            </a:r>
-          </a:p>
-          <a:p>
-            <a:r>
-              <a:rPr lang="en-US" sz="1400" b="1" dirty="0"/>
-              <a:t>Data Analytics</a:t>
-            </a:r>
-            <a:r>
-              <a:rPr lang="en-US" sz="1400" dirty="0"/>
-              <a:t>: </a:t>
-            </a:r>
-            <a:r>
-              <a:rPr lang="en-US" sz="1200" dirty="0"/>
-              <a:t>Data Cleaning, Processing, Visualization</a:t>
-            </a:r>
-          </a:p>
-          <a:p>
-            <a:r>
-              <a:rPr lang="en-US" sz="1400" b="1" dirty="0"/>
-              <a:t>Database Management</a:t>
-            </a:r>
-            <a:r>
-              <a:rPr lang="en-US" sz="1400" dirty="0"/>
-              <a:t>: </a:t>
-            </a:r>
-            <a:r>
-              <a:rPr lang="en-US" sz="1200" dirty="0"/>
-              <a:t>Table Creation, Normalization, ER Diagrams</a:t>
-            </a:r>
-          </a:p>
-          <a:p>
-            <a:r>
-              <a:rPr lang="en-US" sz="1400" b="1" dirty="0"/>
-              <a:t>Project Management</a:t>
-            </a:r>
-            <a:r>
-              <a:rPr lang="en-US" sz="1400" dirty="0"/>
-              <a:t>: </a:t>
-            </a:r>
-            <a:r>
-              <a:rPr lang="en-US" sz="1200" dirty="0"/>
-              <a:t>Software Development, Cross-Functional Collaboration</a:t>
-            </a:r>
-          </a:p>
-        </p:txBody>
-      </p:sp>
       <p:cxnSp>
         <p:nvCxnSpPr>
           <p:cNvPr id="38" name="Straight Connector 37"/>
@@ -3123,14 +2954,14 @@
       </p:cxnSp>
       <p:sp>
         <p:nvSpPr>
-          <p:cNvPr id="40" name="TextBox 39"/>
+          <p:cNvPr id="41" name="TextBox 40"/>
           <p:cNvSpPr txBox="1"/>
           <p:nvPr/>
         </p:nvSpPr>
         <p:spPr>
           <a:xfrm>
-            <a:off x="2331720" y="3434584"/>
-            <a:ext cx="1048993" cy="307777"/>
+            <a:off x="43054" y="7577676"/>
+            <a:ext cx="2014347" cy="2008242"/>
           </a:xfrm>
           <a:prstGeom prst="rect">
             <a:avLst/>
@@ -3143,50 +2974,42 @@
           </a:bodyPr>
           <a:lstStyle/>
           <a:p>
-            <a:pPr marL="12700" algn="just">
-              <a:lnSpc>
-                <a:spcPct val="100000"/>
-              </a:lnSpc>
-              <a:spcBef>
-                <a:spcPts val="204"/>
-              </a:spcBef>
-            </a:pPr>
-            <a:r>
-              <a:rPr lang="en-US" sz="1400" b="1" dirty="0" smtClean="0">
-                <a:solidFill>
-                  <a:srgbClr val="2D74B5"/>
-                </a:solidFill>
-                <a:cs typeface="Calibri"/>
-              </a:rPr>
-              <a:t>Skills</a:t>
-            </a:r>
-            <a:endParaRPr lang="en-US" sz="1400" dirty="0">
-              <a:cs typeface="Calibri"/>
+            <a:r>
+              <a:rPr lang="en-US" sz="1200" dirty="0">
+                <a:solidFill>
+                  <a:schemeClr val="bg1"/>
+                </a:solidFill>
+              </a:rPr>
+              <a:t>ANWARUL KABIR </a:t>
+            </a:r>
+          </a:p>
+          <a:p>
+            <a:r>
+              <a:rPr lang="en-US" sz="1100" dirty="0">
+                <a:solidFill>
+                  <a:schemeClr val="bg1"/>
+                </a:solidFill>
+              </a:rPr>
+              <a:t>ASSOCIATE PROFESSOR, Faculty, DEPARTMENT OF COMPUTER SCIENCE  </a:t>
+            </a:r>
+          </a:p>
+          <a:p>
+            <a:r>
+              <a:rPr lang="en-US" sz="1100" dirty="0">
+                <a:solidFill>
+                  <a:schemeClr val="bg1"/>
+                </a:solidFill>
+              </a:rPr>
+              <a:t>kabir@aiub.edu</a:t>
+            </a:r>
+          </a:p>
+          <a:p>
+            <a:endParaRPr lang="en-US" sz="1200" dirty="0" smtClean="0">
+              <a:solidFill>
+                <a:schemeClr val="bg1"/>
+              </a:solidFill>
             </a:endParaRPr>
           </a:p>
-        </p:txBody>
-      </p:sp>
-      <p:sp>
-        <p:nvSpPr>
-          <p:cNvPr id="41" name="TextBox 40"/>
-          <p:cNvSpPr txBox="1"/>
-          <p:nvPr/>
-        </p:nvSpPr>
-        <p:spPr>
-          <a:xfrm>
-            <a:off x="43054" y="7577676"/>
-            <a:ext cx="2014347" cy="1747244"/>
-          </a:xfrm>
-          <a:prstGeom prst="rect">
-            <a:avLst/>
-          </a:prstGeom>
-          <a:noFill/>
-        </p:spPr>
-        <p:txBody>
-          <a:bodyPr wrap="square" rtlCol="0">
-            <a:spAutoFit/>
-          </a:bodyPr>
-          <a:lstStyle/>
           <a:p>
             <a:r>
               <a:rPr lang="en-US" sz="1200" dirty="0" smtClean="0">
@@ -3242,134 +3065,17 @@
               </a:solidFill>
             </a:endParaRPr>
           </a:p>
-          <a:p>
-            <a:r>
-              <a:rPr lang="en-US" sz="1200" dirty="0" smtClean="0">
-                <a:solidFill>
-                  <a:schemeClr val="bg1"/>
-                </a:solidFill>
-              </a:rPr>
-              <a:t>ANWARUL </a:t>
-            </a:r>
-            <a:r>
-              <a:rPr lang="en-US" sz="1200" dirty="0">
-                <a:solidFill>
-                  <a:schemeClr val="bg1"/>
-                </a:solidFill>
-              </a:rPr>
-              <a:t>KABIR</a:t>
-            </a:r>
-            <a:r>
-              <a:rPr lang="en-US" sz="1050" dirty="0">
-                <a:solidFill>
-                  <a:schemeClr val="bg1"/>
-                </a:solidFill>
-              </a:rPr>
-              <a:t> </a:t>
-            </a:r>
-            <a:endParaRPr lang="en-US" sz="1050" dirty="0" smtClean="0">
-              <a:solidFill>
-                <a:schemeClr val="bg1"/>
-              </a:solidFill>
-            </a:endParaRPr>
-          </a:p>
-          <a:p>
-            <a:r>
-              <a:rPr lang="en-US" sz="1000" dirty="0" smtClean="0">
-                <a:solidFill>
-                  <a:schemeClr val="bg1"/>
-                </a:solidFill>
-              </a:rPr>
-              <a:t>ASSOCIATE </a:t>
-            </a:r>
-            <a:r>
-              <a:rPr lang="en-US" sz="1000" dirty="0">
-                <a:solidFill>
-                  <a:schemeClr val="bg1"/>
-                </a:solidFill>
-              </a:rPr>
-              <a:t>PROFESSOR, </a:t>
-            </a:r>
-            <a:r>
-              <a:rPr lang="en-US" sz="1000" dirty="0" smtClean="0">
-                <a:solidFill>
-                  <a:schemeClr val="bg1"/>
-                </a:solidFill>
-              </a:rPr>
-              <a:t>Faculty, </a:t>
-            </a:r>
-            <a:r>
-              <a:rPr lang="en-US" sz="1000" dirty="0">
-                <a:solidFill>
-                  <a:schemeClr val="bg1"/>
-                </a:solidFill>
-              </a:rPr>
-              <a:t>DEPARTMENT OF COMPUTER SCIENCE  </a:t>
-            </a:r>
-            <a:endParaRPr lang="en-US" sz="1000" dirty="0" smtClean="0">
-              <a:solidFill>
-                <a:schemeClr val="bg1"/>
-              </a:solidFill>
-            </a:endParaRPr>
-          </a:p>
-          <a:p>
-            <a:r>
-              <a:rPr lang="en-US" sz="1000" dirty="0" smtClean="0">
-                <a:solidFill>
-                  <a:schemeClr val="bg1"/>
-                </a:solidFill>
-              </a:rPr>
-              <a:t>kabir@aiub.edu</a:t>
-            </a:r>
-            <a:endParaRPr lang="en-US" sz="1000" dirty="0">
-              <a:solidFill>
-                <a:schemeClr val="bg1"/>
-              </a:solidFill>
-            </a:endParaRPr>
-          </a:p>
-        </p:txBody>
-      </p:sp>
-    </p:spTree>
-  </p:cSld>
-  <p:clrMapOvr>
-    <a:masterClrMapping/>
-  </p:clrMapOvr>
-  <p:timing>
-    <p:tnLst>
-      <p:par>
-        <p:cTn id="1" dur="indefinite" restart="never" nodeType="tmRoot"/>
-      </p:par>
-    </p:tnLst>
-  </p:timing>
-</p:sld>
-</file>
-
-<file path=ppt/slides/slide2.xml><?xml version="1.0" encoding="utf-8"?>
-<p:sld xmlns:a="http://schemas.openxmlformats.org/drawingml/2006/main" xmlns:r="http://schemas.openxmlformats.org/officeDocument/2006/relationships" xmlns:p="http://schemas.openxmlformats.org/presentationml/2006/main" showMasterSp="0">
-  <p:cSld>
-    <p:spTree>
-      <p:nvGrpSpPr>
-        <p:cNvPr id="1" name=""/>
-        <p:cNvGrpSpPr/>
-        <p:nvPr/>
-      </p:nvGrpSpPr>
-      <p:grpSpPr>
-        <a:xfrm>
-          <a:off x="0" y="0"/>
-          <a:ext cx="0" cy="0"/>
-          <a:chOff x="0" y="0"/>
-          <a:chExt cx="0" cy="0"/>
-        </a:xfrm>
-      </p:grpSpPr>
-      <p:sp>
-        <p:nvSpPr>
-          <p:cNvPr id="2" name="object 2"/>
+        </p:txBody>
+      </p:sp>
+      <p:sp>
+        <p:nvSpPr>
+          <p:cNvPr id="26" name="object 2"/>
           <p:cNvSpPr txBox="1"/>
           <p:nvPr/>
         </p:nvSpPr>
         <p:spPr>
           <a:xfrm>
-            <a:off x="457201" y="543439"/>
+            <a:off x="2438400" y="3429000"/>
             <a:ext cx="1814830" cy="239395"/>
           </a:xfrm>
           <a:prstGeom prst="rect">
@@ -3507,158 +3213,23 @@
           </a:p>
         </p:txBody>
       </p:sp>
-      <p:sp>
-        <p:nvSpPr>
-          <p:cNvPr id="6" name="object 6"/>
-          <p:cNvSpPr txBox="1"/>
-          <p:nvPr/>
-        </p:nvSpPr>
-        <p:spPr>
-          <a:xfrm>
-            <a:off x="457201" y="4083511"/>
-            <a:ext cx="5791198" cy="1552348"/>
-          </a:xfrm>
-          <a:prstGeom prst="rect">
-            <a:avLst/>
-          </a:prstGeom>
-        </p:spPr>
-        <p:txBody>
-          <a:bodyPr vert="horz" wrap="square" lIns="0" tIns="13335" rIns="0" bIns="0" rtlCol="0">
-            <a:spAutoFit/>
-          </a:bodyPr>
-          <a:lstStyle/>
-          <a:p>
-            <a:pPr marL="12700">
-              <a:lnSpc>
-                <a:spcPct val="100000"/>
-              </a:lnSpc>
-              <a:spcBef>
-                <a:spcPts val="100"/>
-              </a:spcBef>
-            </a:pPr>
-            <a:r>
-              <a:rPr lang="en-US" sz="1400" b="1" spc="-5" dirty="0" smtClean="0">
-                <a:solidFill>
-                  <a:schemeClr val="accent1">
-                    <a:lumMod val="75000"/>
-                  </a:schemeClr>
-                </a:solidFill>
-                <a:cs typeface="Calibri"/>
-              </a:rPr>
-              <a:t>Soft Skills</a:t>
-            </a:r>
-            <a:endParaRPr lang="en-US" sz="1400" dirty="0">
-              <a:solidFill>
-                <a:schemeClr val="accent1">
-                  <a:lumMod val="75000"/>
-                </a:schemeClr>
-              </a:solidFill>
-              <a:cs typeface="Calibri"/>
-            </a:endParaRPr>
-          </a:p>
-          <a:p>
-            <a:r>
-              <a:rPr lang="en-US" sz="1200" dirty="0" smtClean="0"/>
-              <a:t>Team </a:t>
-            </a:r>
-            <a:r>
-              <a:rPr lang="en-US" sz="1200" dirty="0"/>
-              <a:t>Collaboration</a:t>
-            </a:r>
-          </a:p>
-          <a:p>
-            <a:r>
-              <a:rPr lang="en-US" sz="1200" dirty="0"/>
-              <a:t>Effective Communication</a:t>
-            </a:r>
-          </a:p>
-          <a:p>
-            <a:r>
-              <a:rPr lang="en-US" sz="1200" dirty="0"/>
-              <a:t>Leadership and Mentorship</a:t>
-            </a:r>
-          </a:p>
-          <a:p>
-            <a:r>
-              <a:rPr lang="en-US" sz="1200" dirty="0"/>
-              <a:t>Time </a:t>
-            </a:r>
-            <a:r>
-              <a:rPr lang="en-US" sz="1200" dirty="0" smtClean="0"/>
-              <a:t>Management</a:t>
-            </a:r>
-          </a:p>
-          <a:p>
-            <a:r>
-              <a:rPr lang="en-US" sz="1400" b="1" dirty="0" smtClean="0">
-                <a:solidFill>
-                  <a:schemeClr val="accent1">
-                    <a:lumMod val="75000"/>
-                  </a:schemeClr>
-                </a:solidFill>
-              </a:rPr>
-              <a:t>Specific </a:t>
-            </a:r>
-            <a:r>
-              <a:rPr lang="en-US" sz="1400" b="1" dirty="0">
-                <a:solidFill>
-                  <a:schemeClr val="accent1">
-                    <a:lumMod val="75000"/>
-                  </a:schemeClr>
-                </a:solidFill>
-              </a:rPr>
-              <a:t>Tools and </a:t>
-            </a:r>
-            <a:r>
-              <a:rPr lang="en-US" sz="1400" b="1" dirty="0" smtClean="0">
-                <a:solidFill>
-                  <a:schemeClr val="accent1">
-                    <a:lumMod val="75000"/>
-                  </a:schemeClr>
-                </a:solidFill>
-              </a:rPr>
-              <a:t>Technologies</a:t>
-            </a:r>
-          </a:p>
-          <a:p>
-            <a:r>
-              <a:rPr lang="en-US" sz="1200" dirty="0" smtClean="0"/>
-              <a:t>Git/GitHub </a:t>
-            </a:r>
-          </a:p>
-          <a:p>
-            <a:r>
-              <a:rPr lang="en-US" sz="1200" dirty="0" smtClean="0"/>
-              <a:t>Visual Studio, VS </a:t>
-            </a:r>
-            <a:r>
-              <a:rPr lang="en-US" sz="1200" dirty="0"/>
-              <a:t>Code</a:t>
-            </a:r>
-            <a:r>
-              <a:rPr lang="en-US" sz="1200" dirty="0" smtClean="0"/>
-              <a:t>, CodeBlocks</a:t>
-            </a:r>
-          </a:p>
-        </p:txBody>
-      </p:sp>
       <p:graphicFrame>
         <p:nvGraphicFramePr>
-          <p:cNvPr id="7" name="object 7"/>
+          <p:cNvPr id="28" name="object 7"/>
           <p:cNvGraphicFramePr>
             <a:graphicFrameLocks noGrp="1"/>
           </p:cNvGraphicFramePr>
           <p:nvPr>
             <p:extLst>
               <p:ext uri="{D42A27DB-BD31-4B8C-83A1-F6EECF244321}">
-                <p14:modId xmlns:p14="http://schemas.microsoft.com/office/powerpoint/2010/main" val="4172914592"/>
+                <p14:modId xmlns:p14="http://schemas.microsoft.com/office/powerpoint/2010/main" val="2925152993"/>
               </p:ext>
             </p:extLst>
           </p:nvPr>
         </p:nvGraphicFramePr>
         <p:xfrm>
-          <a:off x="457201" y="922353"/>
-          <a:ext cx="5867400" cy="3121660"/>
+          <a:off x="2362200" y="3657600"/>
+          <a:ext cx="4343400" cy="3083560"/>
         </p:xfrm>
         <a:graphic>
           <a:graphicData uri="http://schemas.openxmlformats.org/drawingml/2006/table">
@@ -3667,7 +3238,7 @@
                 <a:tableStyleId>{2D5ABB26-0587-4C30-8999-92F81FD0307C}</a:tableStyleId>
               </a:tblPr>
               <a:tblGrid>
-                <a:gridCol w="5867400">
+                <a:gridCol w="4343400">
                   <a:extLst>
                     <a:ext uri="{9D8B030D-6E8A-4147-A177-3AD203B41FA5}">
                       <a16:colId xmlns:a16="http://schemas.microsoft.com/office/drawing/2014/main" val="20000"/>
@@ -3675,7 +3246,7 @@
                   </a:extLst>
                 </a:gridCol>
               </a:tblGrid>
-              <a:tr h="2032148">
+              <a:tr h="2030457">
                 <a:tc>
                   <a:txBody>
                     <a:bodyPr/>
@@ -4071,21 +3642,7 @@
                           <a:latin typeface="+mn-lt"/>
                           <a:cs typeface="Calibri"/>
                         </a:rPr>
-                        <a:t> </a:t>
-                      </a:r>
-                      <a:r>
-                        <a:rPr lang="en-US" sz="1250" b="0" spc="-10" baseline="0" dirty="0" err="1" smtClean="0">
-                          <a:latin typeface="+mn-lt"/>
-                          <a:cs typeface="Calibri"/>
-                        </a:rPr>
-                        <a:t>Sripur</a:t>
-                      </a:r>
-                      <a:r>
-                        <a:rPr lang="en-US" sz="1250" b="0" spc="-10" baseline="0" dirty="0" smtClean="0">
-                          <a:latin typeface="+mn-lt"/>
-                          <a:cs typeface="Calibri"/>
-                        </a:rPr>
-                        <a:t> S.C. High School</a:t>
+                        <a:t> Sripur S.C. High School</a:t>
                       </a:r>
                     </a:p>
                     <a:p>
@@ -4152,20 +3709,6 @@
                       </a:r>
                       <a:endParaRPr lang="en-US" sz="1250" dirty="0" smtClean="0">
                         <a:latin typeface="+mn-lt"/>
-                        <a:cs typeface="Calibri"/>
-                      </a:endParaRPr>
-                    </a:p>
-                    <a:p>
-                      <a:pPr marL="90805" marR="406400">
-                        <a:lnSpc>
-                          <a:spcPct val="100000"/>
-                        </a:lnSpc>
-                        <a:spcBef>
-                          <a:spcPts val="285"/>
-                        </a:spcBef>
-                      </a:pPr>
-                      <a:endParaRPr sz="1250" dirty="0">
-                        <a:latin typeface="Calibri"/>
                         <a:cs typeface="Calibri"/>
                       </a:endParaRPr>
                     </a:p>
@@ -4211,7 +3754,7 @@
                   </a:ext>
                 </a:extLst>
               </a:tr>
-              <a:tr h="193100">
+              <a:tr h="196071">
                 <a:tc>
                   <a:txBody>
                     <a:bodyPr/>
@@ -4239,7 +3782,7 @@
                   </a:ext>
                 </a:extLst>
               </a:tr>
-              <a:tr h="193100">
+              <a:tr h="196071">
                 <a:tc>
                   <a:txBody>
                     <a:bodyPr/>
@@ -4271,7 +3814,7 @@
                   </a:ext>
                 </a:extLst>
               </a:tr>
-              <a:tr h="25963">
+              <a:tr h="26362">
                 <a:tc>
                   <a:txBody>
                     <a:bodyPr/>
@@ -4300,7 +3843,7 @@
                   </a:ext>
                 </a:extLst>
               </a:tr>
-              <a:tr h="193100">
+              <a:tr h="196071">
                 <a:tc>
                   <a:txBody>
                     <a:bodyPr/>
@@ -4334,14 +3877,60 @@
       </p:graphicFrame>
       <p:sp>
         <p:nvSpPr>
-          <p:cNvPr id="9" name="object 9"/>
+          <p:cNvPr id="29" name="object 10"/>
+          <p:cNvSpPr txBox="1"/>
+          <p:nvPr/>
+        </p:nvSpPr>
+        <p:spPr>
+          <a:xfrm>
+            <a:off x="2438400" y="6248400"/>
+            <a:ext cx="970280" cy="228909"/>
+          </a:xfrm>
+          <a:prstGeom prst="rect">
+            <a:avLst/>
+          </a:prstGeom>
+        </p:spPr>
+        <p:txBody>
+          <a:bodyPr vert="horz" wrap="square" lIns="0" tIns="13335" rIns="0" bIns="0" rtlCol="0">
+            <a:spAutoFit/>
+          </a:bodyPr>
+          <a:lstStyle/>
+          <a:p>
+            <a:pPr marL="12700">
+              <a:lnSpc>
+                <a:spcPct val="100000"/>
+              </a:lnSpc>
+              <a:spcBef>
+                <a:spcPts val="105"/>
+              </a:spcBef>
+            </a:pPr>
+            <a:r>
+              <a:rPr lang="en-US" sz="1400" b="1" spc="-5" dirty="0" smtClean="0">
+                <a:solidFill>
+                  <a:srgbClr val="2D74B5"/>
+                </a:solidFill>
+                <a:latin typeface="Calibri"/>
+                <a:cs typeface="Calibri"/>
+              </a:rPr>
+              <a:t>Project</a:t>
+            </a:r>
+            <a:endParaRPr sz="1400" dirty="0">
+              <a:latin typeface="Calibri"/>
+              <a:cs typeface="Calibri"/>
+            </a:endParaRPr>
+          </a:p>
+        </p:txBody>
+      </p:sp>
+      <p:sp>
+        <p:nvSpPr>
+          <p:cNvPr id="30" name="object 9"/>
           <p:cNvSpPr/>
           <p:nvPr/>
         </p:nvSpPr>
         <p:spPr>
           <a:xfrm>
-            <a:off x="1749349" y="1649293"/>
-            <a:ext cx="1351915" cy="163195"/>
+            <a:off x="3581401" y="4343400"/>
+            <a:ext cx="1143000" cy="163195"/>
           </a:xfrm>
           <a:custGeom>
             <a:avLst/>
@@ -4384,14 +3973,14 @@
       </p:sp>
       <p:sp>
         <p:nvSpPr>
-          <p:cNvPr id="10" name="object 10"/>
+          <p:cNvPr id="31" name="object 10"/>
           <p:cNvSpPr/>
           <p:nvPr/>
         </p:nvSpPr>
         <p:spPr>
           <a:xfrm>
-            <a:off x="1749349" y="2264168"/>
-            <a:ext cx="1351915" cy="161925"/>
+            <a:off x="3581400" y="5181600"/>
+            <a:ext cx="1371600" cy="161925"/>
           </a:xfrm>
           <a:custGeom>
             <a:avLst/>
@@ -4434,13 +4023,13 @@
       </p:sp>
       <p:sp>
         <p:nvSpPr>
-          <p:cNvPr id="11" name="object 11"/>
+          <p:cNvPr id="32" name="object 11"/>
           <p:cNvSpPr/>
           <p:nvPr/>
         </p:nvSpPr>
         <p:spPr>
           <a:xfrm>
-            <a:off x="1749348" y="2948275"/>
+            <a:off x="3581400" y="5867400"/>
             <a:ext cx="1351915" cy="163195"/>
           </a:xfrm>
           <a:custGeom>
@@ -4482,6 +4071,38 @@
           </a:p>
         </p:txBody>
       </p:sp>
+    </p:spTree>
+  </p:cSld>
+  <p:clrMapOvr>
+    <a:masterClrMapping/>
+  </p:clrMapOvr>
+  <p:timing>
+    <p:tnLst>
+      <p:par>
+        <p:cTn id="1" dur="indefinite" restart="never" nodeType="tmRoot"/>
+      </p:par>
+    </p:tnLst>
+  </p:timing>
+</p:sld>
+</file>
+
+<file path=ppt/slides/slide2.xml><?xml version="1.0" encoding="utf-8"?>
+<p:sld xmlns:a="http://schemas.openxmlformats.org/drawingml/2006/main" xmlns:r="http://schemas.openxmlformats.org/officeDocument/2006/relationships" xmlns:p="http://schemas.openxmlformats.org/presentationml/2006/main" showMasterSp="0">
+  <p:cSld>
+    <p:spTree>
+      <p:nvGrpSpPr>
+        <p:cNvPr id="1" name=""/>
+        <p:cNvGrpSpPr/>
+        <p:nvPr/>
+      </p:nvGrpSpPr>
+      <p:grpSpPr>
+        <a:xfrm>
+          <a:off x="0" y="0"/>
+          <a:ext cx="0" cy="0"/>
+          <a:chOff x="0" y="0"/>
+          <a:chExt cx="0" cy="0"/>
+        </a:xfrm>
+      </p:grpSpPr>
       <p:sp>
         <p:nvSpPr>
           <p:cNvPr id="8" name="object 2"/>
@@ -4490,8 +4111,8 @@
         </p:nvSpPr>
         <p:spPr>
           <a:xfrm>
-            <a:off x="219074" y="5885717"/>
-            <a:ext cx="5991225" cy="230832"/>
+            <a:off x="304800" y="4419600"/>
+            <a:ext cx="5838825" cy="230832"/>
           </a:xfrm>
           <a:prstGeom prst="rect">
             <a:avLst/>
@@ -4567,8 +4188,8 @@
         </p:nvSpPr>
         <p:spPr>
           <a:xfrm>
-            <a:off x="333375" y="6116549"/>
-            <a:ext cx="5653962" cy="2308322"/>
+            <a:off x="381000" y="4724400"/>
+            <a:ext cx="5425362" cy="2308322"/>
           </a:xfrm>
           <a:prstGeom prst="rect">
             <a:avLst/>
@@ -4684,7 +4305,7 @@
         </p:nvSpPr>
         <p:spPr>
           <a:xfrm>
-            <a:off x="333375" y="9067800"/>
+            <a:off x="381000" y="7772400"/>
             <a:ext cx="1524001" cy="584775"/>
           </a:xfrm>
           <a:prstGeom prst="rect">
@@ -4733,7 +4354,7 @@
         </p:blipFill>
         <p:spPr>
           <a:xfrm>
-            <a:off x="314325" y="8811245"/>
+            <a:off x="304800" y="7543800"/>
             <a:ext cx="1226184" cy="339998"/>
           </a:xfrm>
           <a:prstGeom prst="rect">
@@ -4741,6 +4362,214 @@
           </a:prstGeom>
         </p:spPr>
       </p:pic>
+      <p:sp>
+        <p:nvSpPr>
+          <p:cNvPr id="14" name="TextBox 13"/>
+          <p:cNvSpPr txBox="1"/>
+          <p:nvPr/>
+        </p:nvSpPr>
+        <p:spPr>
+          <a:xfrm>
+            <a:off x="457200" y="838200"/>
+            <a:ext cx="1048993" cy="307777"/>
+          </a:xfrm>
+          <a:prstGeom prst="rect">
+            <a:avLst/>
+          </a:prstGeom>
+          <a:noFill/>
+        </p:spPr>
+        <p:txBody>
+          <a:bodyPr wrap="square" rtlCol="0">
+            <a:spAutoFit/>
+          </a:bodyPr>
+          <a:lstStyle/>
+          <a:p>
+            <a:pPr marL="12700" algn="just">
+              <a:lnSpc>
+                <a:spcPct val="100000"/>
+              </a:lnSpc>
+              <a:spcBef>
+                <a:spcPts val="204"/>
+              </a:spcBef>
+            </a:pPr>
+            <a:r>
+              <a:rPr lang="en-US" sz="1400" b="1" dirty="0" smtClean="0">
+                <a:solidFill>
+                  <a:srgbClr val="2D74B5"/>
+                </a:solidFill>
+                <a:cs typeface="Calibri"/>
+              </a:rPr>
+              <a:t>Skills</a:t>
+            </a:r>
+            <a:endParaRPr lang="en-US" sz="1400" dirty="0">
+              <a:cs typeface="Calibri"/>
+            </a:endParaRPr>
+          </a:p>
+        </p:txBody>
+      </p:sp>
+      <p:sp>
+        <p:nvSpPr>
+          <p:cNvPr id="15" name="TextBox 14"/>
+          <p:cNvSpPr txBox="1"/>
+          <p:nvPr/>
+        </p:nvSpPr>
+        <p:spPr>
+          <a:xfrm>
+            <a:off x="457200" y="1143000"/>
+            <a:ext cx="4293379" cy="3293209"/>
+          </a:xfrm>
+          <a:prstGeom prst="rect">
+            <a:avLst/>
+          </a:prstGeom>
+          <a:noFill/>
+        </p:spPr>
+        <p:txBody>
+          <a:bodyPr wrap="square" rtlCol="0">
+            <a:spAutoFit/>
+          </a:bodyPr>
+          <a:lstStyle/>
+          <a:p>
+            <a:r>
+              <a:rPr lang="en-US" sz="1400" b="1" dirty="0" smtClean="0"/>
+              <a:t>Programming </a:t>
+            </a:r>
+            <a:r>
+              <a:rPr lang="en-US" sz="1400" b="1" dirty="0"/>
+              <a:t>Languages</a:t>
+            </a:r>
+            <a:r>
+              <a:rPr lang="en-US" sz="1400" dirty="0"/>
+              <a:t>: </a:t>
+            </a:r>
+            <a:r>
+              <a:rPr lang="en-US" sz="1200" dirty="0"/>
+              <a:t>Python, C, C++, Java, C#</a:t>
+            </a:r>
+          </a:p>
+          <a:p>
+            <a:r>
+              <a:rPr lang="en-US" sz="1400" b="1" dirty="0"/>
+              <a:t>Core Skills</a:t>
+            </a:r>
+            <a:r>
+              <a:rPr lang="en-US" sz="1400" dirty="0"/>
+              <a:t>: </a:t>
+            </a:r>
+            <a:r>
+              <a:rPr lang="en-US" sz="1200" dirty="0"/>
+              <a:t>Data Structures, Algorithms, Problem Solving, Competitive Programming</a:t>
+            </a:r>
+          </a:p>
+          <a:p>
+            <a:r>
+              <a:rPr lang="en-US" sz="1400" b="1" dirty="0"/>
+              <a:t>Frameworks &amp; Tools</a:t>
+            </a:r>
+            <a:r>
+              <a:rPr lang="en-US" sz="1400" dirty="0"/>
+              <a:t>: </a:t>
+            </a:r>
+            <a:r>
+              <a:rPr lang="en-US" sz="1200" dirty="0"/>
+              <a:t>.NET, Cisco Networking, Oracle DBMS, MS Office</a:t>
+            </a:r>
+          </a:p>
+          <a:p>
+            <a:r>
+              <a:rPr lang="en-US" sz="1400" b="1" dirty="0"/>
+              <a:t>Data Analytics</a:t>
+            </a:r>
+            <a:r>
+              <a:rPr lang="en-US" sz="1400" dirty="0"/>
+              <a:t>: </a:t>
+            </a:r>
+            <a:r>
+              <a:rPr lang="en-US" sz="1200" dirty="0"/>
+              <a:t>Data Cleaning, Processing, Visualization</a:t>
+            </a:r>
+          </a:p>
+          <a:p>
+            <a:r>
+              <a:rPr lang="en-US" sz="1400" b="1" dirty="0"/>
+              <a:t>Database Management</a:t>
+            </a:r>
+            <a:r>
+              <a:rPr lang="en-US" sz="1400" dirty="0"/>
+              <a:t>: </a:t>
+            </a:r>
+            <a:r>
+              <a:rPr lang="en-US" sz="1200" dirty="0"/>
+              <a:t>Table Creation, Normalization, ER Diagrams</a:t>
+            </a:r>
+          </a:p>
+          <a:p>
+            <a:r>
+              <a:rPr lang="en-US" sz="1400" b="1" dirty="0"/>
+              <a:t>Project Management</a:t>
+            </a:r>
+            <a:r>
+              <a:rPr lang="en-US" sz="1400" dirty="0"/>
+              <a:t>: </a:t>
+            </a:r>
+            <a:r>
+              <a:rPr lang="en-US" sz="1200" dirty="0"/>
+              <a:t>Software Development, Cross-Functional </a:t>
+            </a:r>
+            <a:r>
+              <a:rPr lang="en-US" sz="1200" dirty="0" smtClean="0"/>
+              <a:t>Collaboration</a:t>
+            </a:r>
+          </a:p>
+          <a:p>
+            <a:r>
+              <a:rPr lang="en-US" sz="1400" b="1" dirty="0"/>
+              <a:t>Organizational Effectiveness</a:t>
+            </a:r>
+          </a:p>
+          <a:p>
+            <a:r>
+              <a:rPr lang="en-US" sz="1200" dirty="0"/>
+              <a:t>Team </a:t>
+            </a:r>
+            <a:r>
+              <a:rPr lang="en-US" sz="1200" dirty="0" smtClean="0"/>
+              <a:t>Collaboration, Effective Communication, Leadership </a:t>
+            </a:r>
+            <a:r>
+              <a:rPr lang="en-US" sz="1200" dirty="0"/>
+              <a:t>and </a:t>
+            </a:r>
+            <a:r>
+              <a:rPr lang="en-US" sz="1200" dirty="0" smtClean="0"/>
+              <a:t>Mentorship, Time Management.</a:t>
+            </a:r>
+            <a:endParaRPr lang="en-US" sz="1200" dirty="0"/>
+          </a:p>
+          <a:p>
+            <a:r>
+              <a:rPr lang="en-US" sz="1400" b="1" dirty="0"/>
+              <a:t>Specific Tools and Technologies</a:t>
+            </a:r>
+          </a:p>
+          <a:p>
+            <a:r>
+              <a:rPr lang="en-US" sz="1200" dirty="0"/>
+              <a:t>Git/GitHub </a:t>
+            </a:r>
+            <a:r>
+              <a:rPr lang="en-US" sz="1200" dirty="0" smtClean="0"/>
+              <a:t>, Visual </a:t>
+            </a:r>
+            <a:r>
+              <a:rPr lang="en-US" sz="1200" dirty="0"/>
+              <a:t>Studio, VS Code, CodeBlocks</a:t>
+            </a:r>
+          </a:p>
+          <a:p>
+            <a:endParaRPr lang="en-US" sz="1200" dirty="0"/>
+          </a:p>
+        </p:txBody>
+      </p:sp>
     </p:spTree>
   </p:cSld>
   <p:clrMapOvr>
